--- a/Diseño_Semanario_Web 2.0.pptx
+++ b/Diseño_Semanario_Web 2.0.pptx
@@ -4067,7 +4067,7 @@
         <p:spPr>
           <a:xfrm>
             <a:off x="289103" y="2872690"/>
-            <a:ext cx="1782151" cy="584775"/>
+            <a:ext cx="2094102" cy="584775"/>
           </a:xfrm>
           <a:prstGeom prst="rect">
             <a:avLst/>
@@ -4086,7 +4086,7 @@
                   <a:srgbClr val="C00000"/>
                 </a:solidFill>
               </a:rPr>
-              <a:t>% pobreza comunal</a:t>
+              <a:t>% pobreza comunal 2020</a:t>
             </a:r>
             <a:r>
               <a:rPr lang="es-CL" sz="1200" b="1" dirty="0">
@@ -4173,8 +4173,8 @@
         </p:nvSpPr>
         <p:spPr>
           <a:xfrm>
-            <a:off x="4831934" y="2891524"/>
-            <a:ext cx="1314784" cy="584775"/>
+            <a:off x="4446727" y="2891569"/>
+            <a:ext cx="1755160" cy="584775"/>
           </a:xfrm>
           <a:prstGeom prst="rect">
             <a:avLst/>
@@ -4187,13 +4187,21 @@
           </a:bodyPr>
           <a:lstStyle/>
           <a:p>
+            <a:r>
+              <a:rPr lang="ang-Latn-001" sz="1200" b="1" dirty="0">
+                <a:solidFill>
+                  <a:srgbClr val="C00000"/>
+                </a:solidFill>
+              </a:rPr>
+              <a:t>Frecuencia</a:t>
+            </a:r>
             <a:r>
               <a:rPr lang="es-CL" sz="1200" b="1" dirty="0">
                 <a:solidFill>
                   <a:srgbClr val="C00000"/>
                 </a:solidFill>
               </a:rPr>
-              <a:t>% </a:t>
+              <a:t> </a:t>
             </a:r>
             <a:r>
               <a:rPr lang="ang-Latn-001" sz="1200" b="1" dirty="0">
@@ -4383,15 +4391,26 @@
           </a:p>
           <a:p>
             <a:r>
+              <a:rPr lang="ang-Latn-001" sz="1000" dirty="0"/>
+              <a:t>Pertenece a alg</a:t>
+            </a:r>
+            <a:r>
               <a:rPr lang="es-CL" sz="1000" dirty="0"/>
-              <a:t>La pobreza incluye la no pobreza</a:t>
-            </a:r>
-          </a:p>
-          <a:p>
+              <a:t>ú</a:t>
+            </a:r>
+            <a:r>
+              <a:rPr lang="ang-Latn-001" sz="1000" dirty="0"/>
+              <a:t>n pueblo ind</a:t>
+            </a:r>
             <a:r>
               <a:rPr lang="es-CL" sz="1000" dirty="0"/>
-              <a:t> y la pobreza extrema</a:t>
-            </a:r>
+              <a:t>í</a:t>
+            </a:r>
+            <a:r>
+              <a:rPr lang="ang-Latn-001" sz="1000" dirty="0"/>
+              <a:t>gena? A cual?</a:t>
+            </a:r>
+            <a:endParaRPr lang="es-CL" sz="1000" dirty="0"/>
           </a:p>
         </p:txBody>
       </p:sp>
@@ -4651,12 +4670,20 @@
           <a:lstStyle/>
           <a:p>
             <a:r>
+              <a:rPr lang="ang-Latn-001" sz="1200" b="1" dirty="0">
+                <a:solidFill>
+                  <a:srgbClr val="C00000"/>
+                </a:solidFill>
+              </a:rPr>
+              <a:t>Frecuencia</a:t>
+            </a:r>
+            <a:r>
               <a:rPr lang="es-CL" sz="1200" b="1" dirty="0">
                 <a:solidFill>
                   <a:srgbClr val="C00000"/>
                 </a:solidFill>
               </a:rPr>
-              <a:t>% de ruralidad*</a:t>
+              <a:t> de ruralidad*</a:t>
             </a:r>
           </a:p>
           <a:p>
@@ -4670,6 +4697,11 @@
               <a:rPr lang="es-CL" sz="1000" dirty="0"/>
               <a:t>viven en un ambiente rural o urbano</a:t>
             </a:r>
+            <a:r>
+              <a:rPr lang="ang-Latn-001" sz="1000" dirty="0"/>
+              <a:t>.</a:t>
+            </a:r>
+            <a:endParaRPr lang="es-CL" sz="1000" dirty="0"/>
           </a:p>
         </p:txBody>
       </p:sp>
@@ -4948,6 +4980,54 @@
               <a:t>https://github.com/Sud-Austral/ds_semanario/blob/main/tablas%20socioeconomicas%20al%20semanario/ap_ruralidad_6.xlsx</a:t>
             </a:r>
             <a:endParaRPr lang="es-CL" sz="800" dirty="0"/>
+          </a:p>
+        </p:txBody>
+      </p:sp>
+      <p:sp>
+        <p:nvSpPr>
+          <p:cNvPr id="2" name="CuadroTexto 1">
+            <a:extLst>
+              <a:ext uri="{FF2B5EF4-FFF2-40B4-BE49-F238E27FC236}">
+                <a16:creationId xmlns:a16="http://schemas.microsoft.com/office/drawing/2014/main" id="{AA9B792C-A23E-4B12-84C1-C99D6C0F13D2}"/>
+              </a:ext>
+            </a:extLst>
+          </p:cNvPr>
+          <p:cNvSpPr txBox="1"/>
+          <p:nvPr/>
+        </p:nvSpPr>
+        <p:spPr>
+          <a:xfrm>
+            <a:off x="255993" y="5654373"/>
+            <a:ext cx="5609679" cy="246221"/>
+          </a:xfrm>
+          <a:prstGeom prst="rect">
+            <a:avLst/>
+          </a:prstGeom>
+          <a:noFill/>
+        </p:spPr>
+        <p:txBody>
+          <a:bodyPr wrap="square" rtlCol="0">
+            <a:spAutoFit/>
+          </a:bodyPr>
+          <a:lstStyle/>
+          <a:p>
+            <a:r>
+              <a:rPr lang="es-CL" sz="1000" dirty="0"/>
+              <a:t>Nota</a:t>
+            </a:r>
+            <a:r>
+              <a:rPr lang="ang-Latn" sz="1000" dirty="0"/>
+              <a:t>: la variable en cuesti</a:t>
+            </a:r>
+            <a:r>
+              <a:rPr lang="es-CL" sz="1000" dirty="0"/>
+              <a:t>ón se denomina simplemente </a:t>
+            </a:r>
+            <a:r>
+              <a:rPr lang="ang-Latn" sz="1000" dirty="0"/>
+              <a:t>“variable”</a:t>
+            </a:r>
+            <a:endParaRPr lang="es-CL" sz="1000" dirty="0"/>
           </a:p>
         </p:txBody>
       </p:sp>

--- a/Diseño_Semanario_Web 2.0.pptx
+++ b/Diseño_Semanario_Web 2.0.pptx
@@ -4808,7 +4808,7 @@
         <p:spPr>
           <a:xfrm>
             <a:off x="2398756" y="3476344"/>
-            <a:ext cx="1994218" cy="707886"/>
+            <a:ext cx="1994218" cy="584775"/>
           </a:xfrm>
           <a:prstGeom prst="rect">
             <a:avLst/>
@@ -4825,7 +4825,7 @@
               <a:rPr lang="es-CL" sz="800" dirty="0">
                 <a:hlinkClick r:id="rId4"/>
               </a:rPr>
-              <a:t>https://github.com/Sud-Austral/ds_semanario/blob/main/tablas%20socioeconomicas%20al%20semanario/ap_trabajo_al_menos_1_hora_la_semana_pasada_2.xlsx</a:t>
+              <a:t>https://github.com/Sud-Austral/ds_semanario/blob/main/tablas%20socioeconomicas%20al%20semanario/ap_trabajo_1_hora_la_semana_pasada_2.xlsx</a:t>
             </a:r>
             <a:endParaRPr lang="es-CL" sz="800" dirty="0"/>
           </a:p>

--- a/Diseño_Semanario_Web 2.0.pptx
+++ b/Diseño_Semanario_Web 2.0.pptx
@@ -4749,7 +4749,7 @@
           <a:p>
             <a:r>
               <a:rPr lang="ang-Latn-001" sz="1200" b="1" dirty="0"/>
-              <a:t>Son las tablas que a Naty le interesan</a:t>
+              <a:t>Son las tablas que a Naty le interesan 19 de Enero</a:t>
             </a:r>
             <a:endParaRPr lang="es-CL" sz="1200" b="1" dirty="0"/>
           </a:p>
@@ -4863,7 +4863,7 @@
               <a:rPr lang="es-CL" sz="800" dirty="0">
                 <a:hlinkClick r:id="rId5"/>
               </a:rPr>
-              <a:t>https://github.com/Sud-Austral/ds_semanario/blob/main/tablas%20socioeconomicas%20al%20semanario/ap_Sabe_leer_y_escribir_3.xlsx</a:t>
+              <a:t>https://github.com/Sud-Austral/ds_semanario/blob/main/tablas%20socioeconomicas%20al%20semanario/ap_Sabe%20leer%20y%20escribir_3.xlsx</a:t>
             </a:r>
             <a:endParaRPr lang="es-CL" sz="800" dirty="0"/>
           </a:p>
